--- a/분실물 찾아요(중간).pptx
+++ b/분실물 찾아요(중간).pptx
@@ -4355,6 +4355,13 @@
   <p:clrMapOvr>
     <a:masterClrMapping/>
   </p:clrMapOvr>
+  <p:timing>
+    <p:tnLst>
+      <p:par>
+        <p:cTn id="1" dur="indefinite" restart="never" nodeType="tmRoot"/>
+      </p:par>
+    </p:tnLst>
+  </p:timing>
 </p:sld>
 </file>
 
@@ -4485,11 +4492,7 @@
           <a:p>
             <a:r>
               <a:rPr lang="ko-KR" altLang="en-US" dirty="0" smtClean="0"/>
-              <a:t>수정된 </a:t>
-            </a:r>
-            <a:r>
-              <a:rPr lang="ko-KR" altLang="en-US" dirty="0" smtClean="0"/>
-              <a:t>내용</a:t>
+              <a:t>수정된 내용</a:t>
             </a:r>
             <a:endParaRPr lang="en-US" altLang="ko-KR" dirty="0" smtClean="0"/>
           </a:p>
@@ -4533,7 +4536,15 @@
             </a:r>
             <a:r>
               <a:rPr lang="ko-KR" altLang="en-US" dirty="0" smtClean="0"/>
-              <a:t> 상태</a:t>
+              <a:t> </a:t>
+            </a:r>
+            <a:r>
+              <a:rPr lang="ko-KR" altLang="en-US" dirty="0" smtClean="0"/>
+              <a:t>현</a:t>
+            </a:r>
+            <a:r>
+              <a:rPr lang="ko-KR" altLang="en-US" dirty="0" smtClean="0"/>
+              <a:t>황</a:t>
             </a:r>
             <a:endParaRPr lang="en-US" altLang="ko-KR" dirty="0" smtClean="0"/>
           </a:p>
@@ -4881,6 +4892,13 @@
   <p:clrMapOvr>
     <a:masterClrMapping/>
   </p:clrMapOvr>
+  <p:timing>
+    <p:tnLst>
+      <p:par>
+        <p:cTn id="1" dur="indefinite" restart="never" nodeType="tmRoot"/>
+      </p:par>
+    </p:tnLst>
+  </p:timing>
 </p:sld>
 </file>
 
@@ -5696,6 +5714,13 @@
   <p:clrMapOvr>
     <a:masterClrMapping/>
   </p:clrMapOvr>
+  <p:timing>
+    <p:tnLst>
+      <p:par>
+        <p:cTn id="1" dur="indefinite" restart="never" nodeType="tmRoot"/>
+      </p:par>
+    </p:tnLst>
+  </p:timing>
 </p:sld>
 </file>
 
@@ -5870,6 +5895,13 @@
   <p:clrMapOvr>
     <a:masterClrMapping/>
   </p:clrMapOvr>
+  <p:timing>
+    <p:tnLst>
+      <p:par>
+        <p:cTn id="1" dur="indefinite" restart="never" nodeType="tmRoot"/>
+      </p:par>
+    </p:tnLst>
+  </p:timing>
 </p:sld>
 </file>
 
@@ -7319,6 +7351,13 @@
   <p:clrMapOvr>
     <a:masterClrMapping/>
   </p:clrMapOvr>
+  <p:timing>
+    <p:tnLst>
+      <p:par>
+        <p:cTn id="1" dur="indefinite" restart="never" nodeType="tmRoot"/>
+      </p:par>
+    </p:tnLst>
+  </p:timing>
 </p:sld>
 </file>
 
@@ -7374,7 +7413,11 @@
             </a:r>
             <a:r>
               <a:rPr lang="ko-KR" altLang="en-US" dirty="0" smtClean="0"/>
-              <a:t>상태</a:t>
+              <a:t>현</a:t>
+            </a:r>
+            <a:r>
+              <a:rPr lang="ko-KR" altLang="en-US" dirty="0" smtClean="0"/>
+              <a:t>황</a:t>
             </a:r>
             <a:endParaRPr lang="ko-KR" altLang="en-US" dirty="0"/>
           </a:p>
@@ -7417,6 +7460,13 @@
   <p:clrMapOvr>
     <a:masterClrMapping/>
   </p:clrMapOvr>
+  <p:timing>
+    <p:tnLst>
+      <p:par>
+        <p:cTn id="1" dur="indefinite" restart="never" nodeType="tmRoot"/>
+      </p:par>
+    </p:tnLst>
+  </p:timing>
 </p:sld>
 </file>
 
